--- a/brWheel_my/Firmware-v17x pinout.pptx
+++ b/brWheel_my/Firmware-v17x pinout.pptx
@@ -243,7 +243,7 @@
           <a:p>
             <a:fld id="{A398FB1A-F8C3-427F-BE44-B87966AC4D7F}" type="datetimeFigureOut">
               <a:rPr lang="en-US" smtClean="0"/>
-              <a:t>13-Dec-21</a:t>
+              <a:t>08-Mar-22</a:t>
             </a:fld>
             <a:endParaRPr lang="en-US"/>
           </a:p>
@@ -413,7 +413,7 @@
           <a:p>
             <a:fld id="{A398FB1A-F8C3-427F-BE44-B87966AC4D7F}" type="datetimeFigureOut">
               <a:rPr lang="en-US" smtClean="0"/>
-              <a:t>13-Dec-21</a:t>
+              <a:t>08-Mar-22</a:t>
             </a:fld>
             <a:endParaRPr lang="en-US"/>
           </a:p>
@@ -593,7 +593,7 @@
           <a:p>
             <a:fld id="{A398FB1A-F8C3-427F-BE44-B87966AC4D7F}" type="datetimeFigureOut">
               <a:rPr lang="en-US" smtClean="0"/>
-              <a:t>13-Dec-21</a:t>
+              <a:t>08-Mar-22</a:t>
             </a:fld>
             <a:endParaRPr lang="en-US"/>
           </a:p>
@@ -763,7 +763,7 @@
           <a:p>
             <a:fld id="{A398FB1A-F8C3-427F-BE44-B87966AC4D7F}" type="datetimeFigureOut">
               <a:rPr lang="en-US" smtClean="0"/>
-              <a:t>13-Dec-21</a:t>
+              <a:t>08-Mar-22</a:t>
             </a:fld>
             <a:endParaRPr lang="en-US"/>
           </a:p>
@@ -1009,7 +1009,7 @@
           <a:p>
             <a:fld id="{A398FB1A-F8C3-427F-BE44-B87966AC4D7F}" type="datetimeFigureOut">
               <a:rPr lang="en-US" smtClean="0"/>
-              <a:t>13-Dec-21</a:t>
+              <a:t>08-Mar-22</a:t>
             </a:fld>
             <a:endParaRPr lang="en-US"/>
           </a:p>
@@ -1241,7 +1241,7 @@
           <a:p>
             <a:fld id="{A398FB1A-F8C3-427F-BE44-B87966AC4D7F}" type="datetimeFigureOut">
               <a:rPr lang="en-US" smtClean="0"/>
-              <a:t>13-Dec-21</a:t>
+              <a:t>08-Mar-22</a:t>
             </a:fld>
             <a:endParaRPr lang="en-US"/>
           </a:p>
@@ -1608,7 +1608,7 @@
           <a:p>
             <a:fld id="{A398FB1A-F8C3-427F-BE44-B87966AC4D7F}" type="datetimeFigureOut">
               <a:rPr lang="en-US" smtClean="0"/>
-              <a:t>13-Dec-21</a:t>
+              <a:t>08-Mar-22</a:t>
             </a:fld>
             <a:endParaRPr lang="en-US"/>
           </a:p>
@@ -1726,7 +1726,7 @@
           <a:p>
             <a:fld id="{A398FB1A-F8C3-427F-BE44-B87966AC4D7F}" type="datetimeFigureOut">
               <a:rPr lang="en-US" smtClean="0"/>
-              <a:t>13-Dec-21</a:t>
+              <a:t>08-Mar-22</a:t>
             </a:fld>
             <a:endParaRPr lang="en-US"/>
           </a:p>
@@ -1821,7 +1821,7 @@
           <a:p>
             <a:fld id="{A398FB1A-F8C3-427F-BE44-B87966AC4D7F}" type="datetimeFigureOut">
               <a:rPr lang="en-US" smtClean="0"/>
-              <a:t>13-Dec-21</a:t>
+              <a:t>08-Mar-22</a:t>
             </a:fld>
             <a:endParaRPr lang="en-US"/>
           </a:p>
@@ -2098,7 +2098,7 @@
           <a:p>
             <a:fld id="{A398FB1A-F8C3-427F-BE44-B87966AC4D7F}" type="datetimeFigureOut">
               <a:rPr lang="en-US" smtClean="0"/>
-              <a:t>13-Dec-21</a:t>
+              <a:t>08-Mar-22</a:t>
             </a:fld>
             <a:endParaRPr lang="en-US"/>
           </a:p>
@@ -2351,7 +2351,7 @@
           <a:p>
             <a:fld id="{A398FB1A-F8C3-427F-BE44-B87966AC4D7F}" type="datetimeFigureOut">
               <a:rPr lang="en-US" smtClean="0"/>
-              <a:t>13-Dec-21</a:t>
+              <a:t>08-Mar-22</a:t>
             </a:fld>
             <a:endParaRPr lang="en-US"/>
           </a:p>
@@ -2564,7 +2564,7 @@
           <a:p>
             <a:fld id="{A398FB1A-F8C3-427F-BE44-B87966AC4D7F}" type="datetimeFigureOut">
               <a:rPr lang="en-US" smtClean="0"/>
-              <a:t>13-Dec-21</a:t>
+              <a:t>08-Mar-22</a:t>
             </a:fld>
             <a:endParaRPr lang="en-US"/>
           </a:p>
@@ -3007,7 +3007,7 @@
         <p:spPr>
           <a:xfrm>
             <a:off x="7064346" y="129474"/>
-            <a:ext cx="4419030" cy="7017306"/>
+            <a:ext cx="5235087" cy="7017306"/>
           </a:xfrm>
           <a:prstGeom prst="rect">
             <a:avLst/>
@@ -3022,15 +3022,7 @@
           <a:p>
             <a:r>
               <a:rPr lang="en-US" dirty="0" smtClean="0"/>
-              <a:t>Arduino Leonardo FFB wheel </a:t>
-            </a:r>
-            <a:r>
-              <a:rPr lang="en-US" dirty="0" smtClean="0"/>
-              <a:t>fw-v17x </a:t>
-            </a:r>
-            <a:r>
-              <a:rPr lang="en-US" dirty="0" smtClean="0"/>
-              <a:t>pinout:</a:t>
+              <a:t>Arduino Leonardo FFB wheel fw-v17x pinout:</a:t>
             </a:r>
           </a:p>
           <a:p>
@@ -3101,47 +3093,101 @@
           <a:p>
             <a:r>
               <a:rPr lang="en-US" dirty="0" smtClean="0"/>
-              <a:t>A3 - handbrake pot (if LC - then </a:t>
-            </a:r>
-            <a:r>
-              <a:rPr lang="en-US" dirty="0" smtClean="0"/>
-              <a:t>button0)</a:t>
-            </a:r>
-            <a:endParaRPr lang="en-US" dirty="0" smtClean="0"/>
-          </a:p>
-          <a:p>
-            <a:r>
-              <a:rPr lang="en-US" dirty="0" smtClean="0"/>
-              <a:t>A4, A5 - buttons 1,2 (</a:t>
-            </a:r>
-            <a:r>
-              <a:rPr lang="en-US" dirty="0" smtClean="0"/>
-              <a:t>fw-v170)</a:t>
-            </a:r>
-            <a:endParaRPr lang="en-US" dirty="0" smtClean="0"/>
-          </a:p>
-          <a:p>
-            <a:r>
-              <a:rPr lang="en-US" dirty="0" smtClean="0"/>
-              <a:t>RX - channel A optical encoder</a:t>
-            </a:r>
-          </a:p>
-          <a:p>
-            <a:r>
-              <a:rPr lang="en-US" dirty="0" smtClean="0"/>
-              <a:t>TX - channel B optical encoder</a:t>
-            </a:r>
-          </a:p>
-          <a:p>
-            <a:r>
-              <a:rPr lang="en-US" dirty="0" smtClean="0"/>
-              <a:t>2 - SDA, data for i2C (ADS1105)</a:t>
-            </a:r>
-          </a:p>
-          <a:p>
-            <a:r>
-              <a:rPr lang="en-US" dirty="0" smtClean="0"/>
-              <a:t>3 - SCL, clock for i2C (ADS1105)</a:t>
+              <a:t>A3 - handbrake pot (if LC - then button0)</a:t>
+            </a:r>
+          </a:p>
+          <a:p>
+            <a:r>
+              <a:rPr lang="en-US" dirty="0" smtClean="0"/>
+              <a:t>A4, A5 - buttons 1,2 (fw-v170)</a:t>
+            </a:r>
+          </a:p>
+          <a:p>
+            <a:r>
+              <a:rPr lang="en-US" dirty="0" smtClean="0"/>
+              <a:t>RX - </a:t>
+            </a:r>
+            <a:r>
+              <a:rPr lang="en-US" dirty="0" smtClean="0"/>
+              <a:t>channel </a:t>
+            </a:r>
+            <a:r>
+              <a:rPr lang="en-US" dirty="0" smtClean="0"/>
+              <a:t>A </a:t>
+            </a:r>
+            <a:r>
+              <a:rPr lang="en-US" dirty="0" smtClean="0"/>
+              <a:t>encoder</a:t>
+            </a:r>
+          </a:p>
+          <a:p>
+            <a:r>
+              <a:rPr lang="en-US" dirty="0" smtClean="0"/>
+              <a:t>TX </a:t>
+            </a:r>
+            <a:r>
+              <a:rPr lang="en-US" dirty="0" smtClean="0"/>
+              <a:t>- </a:t>
+            </a:r>
+            <a:r>
+              <a:rPr lang="en-US" dirty="0" smtClean="0"/>
+              <a:t>channel </a:t>
+            </a:r>
+            <a:r>
+              <a:rPr lang="en-US" dirty="0" smtClean="0"/>
+              <a:t>B </a:t>
+            </a:r>
+            <a:r>
+              <a:rPr lang="en-US" dirty="0" smtClean="0"/>
+              <a:t>encoder</a:t>
+            </a:r>
+          </a:p>
+          <a:p>
+            <a:r>
+              <a:rPr lang="en-US" dirty="0" smtClean="0"/>
+              <a:t>2 - </a:t>
+            </a:r>
+            <a:r>
+              <a:rPr lang="en-US" dirty="0" smtClean="0"/>
+              <a:t>channel </a:t>
+            </a:r>
+            <a:r>
+              <a:rPr lang="en-US" dirty="0"/>
+              <a:t>Z </a:t>
+            </a:r>
+            <a:r>
+              <a:rPr lang="en-US" dirty="0" smtClean="0"/>
+              <a:t>encoder or </a:t>
+            </a:r>
+            <a:r>
+              <a:rPr lang="en-US" dirty="0" smtClean="0"/>
+              <a:t>SDA</a:t>
+            </a:r>
+            <a:r>
+              <a:rPr lang="en-US" dirty="0" smtClean="0"/>
+              <a:t>, </a:t>
+            </a:r>
+            <a:r>
+              <a:rPr lang="en-US" dirty="0" smtClean="0"/>
+              <a:t>data </a:t>
+            </a:r>
+            <a:r>
+              <a:rPr lang="en-US" dirty="0" smtClean="0"/>
+              <a:t>for i2C (</a:t>
+            </a:r>
+            <a:r>
+              <a:rPr lang="en-US" dirty="0" smtClean="0"/>
+              <a:t>ADS1105)</a:t>
+            </a:r>
+          </a:p>
+          <a:p>
+            <a:r>
+              <a:rPr lang="en-US" dirty="0" smtClean="0"/>
+              <a:t>3 </a:t>
+            </a:r>
+            <a:r>
+              <a:rPr lang="en-US" dirty="0" smtClean="0"/>
+              <a:t>- SCL, clock for i2C (ADS1105)</a:t>
             </a:r>
           </a:p>
           <a:p>
@@ -3203,13 +3249,8 @@
           <a:p>
             <a:r>
               <a:rPr lang="en-US" dirty="0" smtClean="0"/>
-              <a:t>12 - </a:t>
-            </a:r>
-            <a:r>
-              <a:rPr lang="en-US" dirty="0" smtClean="0"/>
-              <a:t>button3</a:t>
-            </a:r>
-            <a:endParaRPr lang="en-US" dirty="0" smtClean="0"/>
+              <a:t>12 - button3</a:t>
+            </a:r>
           </a:p>
           <a:p>
             <a:r>
@@ -3281,11 +3322,7 @@
           <a:p>
             <a:r>
               <a:rPr lang="en-US" dirty="0" smtClean="0"/>
-              <a:t>Arduino </a:t>
-            </a:r>
-            <a:r>
-              <a:rPr lang="en-US" dirty="0" smtClean="0"/>
-              <a:t>Leonardo or Micro</a:t>
+              <a:t>Arduino Leonardo or Micro</a:t>
             </a:r>
             <a:endParaRPr lang="en-US" dirty="0"/>
           </a:p>
@@ -3330,7 +3367,7 @@
         <p:spPr>
           <a:xfrm>
             <a:off x="3318544" y="4504974"/>
-            <a:ext cx="3725700" cy="2031325"/>
+            <a:ext cx="3725700" cy="2308324"/>
           </a:xfrm>
           <a:prstGeom prst="rect">
             <a:avLst/>
@@ -3360,11 +3397,7 @@
           <a:p>
             <a:r>
               <a:rPr lang="en-US" dirty="0" smtClean="0"/>
-              <a:t>  3 </a:t>
-            </a:r>
-            <a:r>
-              <a:rPr lang="en-US" dirty="0" smtClean="0"/>
-              <a:t>- </a:t>
+              <a:t>  3 - </a:t>
             </a:r>
             <a:r>
               <a:rPr lang="en-US" dirty="0"/>
@@ -3388,16 +3421,11 @@
               <a:rPr lang="en-US" dirty="0" smtClean="0"/>
               <a:t>fw-v170)</a:t>
             </a:r>
-            <a:endParaRPr lang="en-US" dirty="0" smtClean="0"/>
-          </a:p>
-          <a:p>
-            <a:r>
-              <a:rPr lang="en-US" dirty="0" smtClean="0"/>
-              <a:t>15 - button2 (</a:t>
-            </a:r>
-            <a:r>
-              <a:rPr lang="en-US" dirty="0" smtClean="0"/>
-              <a:t>fw-v170)</a:t>
+          </a:p>
+          <a:p>
+            <a:r>
+              <a:rPr lang="en-US" dirty="0" smtClean="0"/>
+              <a:t>15 - button2 (fw-v170)</a:t>
             </a:r>
           </a:p>
           <a:p>
@@ -3411,7 +3439,29 @@
             </a:r>
             <a:r>
               <a:rPr lang="en-US" dirty="0" smtClean="0"/>
-              <a:t>ADS1105, fw-v170)</a:t>
+              <a:t>ADS1105, fw-v170</a:t>
+            </a:r>
+            <a:r>
+              <a:rPr lang="en-US" dirty="0" smtClean="0"/>
+              <a:t>)</a:t>
+            </a:r>
+          </a:p>
+          <a:p>
+            <a:r>
+              <a:rPr lang="en-US" smtClean="0"/>
+              <a:t>       or </a:t>
+            </a:r>
+            <a:r>
+              <a:rPr lang="en-US" dirty="0" smtClean="0"/>
+              <a:t>Z-index encoder (</a:t>
+            </a:r>
+            <a:r>
+              <a:rPr lang="en-US" dirty="0" err="1" smtClean="0"/>
+              <a:t>fw</a:t>
+            </a:r>
+            <a:r>
+              <a:rPr lang="en-US" dirty="0" smtClean="0"/>
+              <a:t> “z” option)</a:t>
             </a:r>
             <a:endParaRPr lang="en-US" dirty="0"/>
           </a:p>
